--- a/ppt 16-9/1382.你们祷告.pptx
+++ b/ppt 16-9/1382.你们祷告.pptx
@@ -129,7 +129,7 @@
           <p:cNvPr id="2" name="标题 1">
             <a:extLst>
               <a:ext uri="{FF2B5EF4-FFF2-40B4-BE49-F238E27FC236}">
-                <a16:creationId xmlns:a16="http://schemas.microsoft.com/office/drawing/2014/main" id="{FC401657-BDBC-AC13-643D-665EC2DB77A2}"/>
+                <a16:creationId xmlns:a16="http://schemas.microsoft.com/office/drawing/2014/main" id="{01D9ADE2-14F2-4DB4-BBC4-10F8D75ACC3D}"/>
               </a:ext>
             </a:extLst>
           </p:cNvPr>
@@ -166,7 +166,7 @@
           <p:cNvPr id="3" name="副标题 2">
             <a:extLst>
               <a:ext uri="{FF2B5EF4-FFF2-40B4-BE49-F238E27FC236}">
-                <a16:creationId xmlns:a16="http://schemas.microsoft.com/office/drawing/2014/main" id="{110D894B-98C1-B089-0EF8-4DFA94B8376F}"/>
+                <a16:creationId xmlns:a16="http://schemas.microsoft.com/office/drawing/2014/main" id="{38181B29-5533-F215-340C-17FFF9B16649}"/>
               </a:ext>
             </a:extLst>
           </p:cNvPr>
@@ -236,7 +236,7 @@
           <p:cNvPr id="4" name="日期占位符 3">
             <a:extLst>
               <a:ext uri="{FF2B5EF4-FFF2-40B4-BE49-F238E27FC236}">
-                <a16:creationId xmlns:a16="http://schemas.microsoft.com/office/drawing/2014/main" id="{C6092F66-E105-D81E-355F-E6C887C980F7}"/>
+                <a16:creationId xmlns:a16="http://schemas.microsoft.com/office/drawing/2014/main" id="{1239F1FB-0E48-051B-E93D-7143A1200E7B}"/>
               </a:ext>
             </a:extLst>
           </p:cNvPr>
@@ -252,7 +252,7 @@
           <a:bodyPr/>
           <a:lstStyle/>
           <a:p>
-            <a:fld id="{5145CE5C-672D-4DB5-BC82-1F812DB69450}" type="datetimeFigureOut">
+            <a:fld id="{D7D39C79-E02B-449A-B12A-1298AB9D4306}" type="datetimeFigureOut">
               <a:rPr lang="zh-CN" altLang="en-US" smtClean="0"/>
               <a:t>2024/3/10</a:t>
             </a:fld>
@@ -265,7 +265,7 @@
           <p:cNvPr id="5" name="页脚占位符 4">
             <a:extLst>
               <a:ext uri="{FF2B5EF4-FFF2-40B4-BE49-F238E27FC236}">
-                <a16:creationId xmlns:a16="http://schemas.microsoft.com/office/drawing/2014/main" id="{49847EC7-2F09-3B08-D7C0-81E30308DFA5}"/>
+                <a16:creationId xmlns:a16="http://schemas.microsoft.com/office/drawing/2014/main" id="{9A738358-4257-430F-7E85-E751BEE413D0}"/>
               </a:ext>
             </a:extLst>
           </p:cNvPr>
@@ -290,7 +290,7 @@
           <p:cNvPr id="6" name="灯片编号占位符 5">
             <a:extLst>
               <a:ext uri="{FF2B5EF4-FFF2-40B4-BE49-F238E27FC236}">
-                <a16:creationId xmlns:a16="http://schemas.microsoft.com/office/drawing/2014/main" id="{3ACD558F-0460-5037-88BB-4E8B70163627}"/>
+                <a16:creationId xmlns:a16="http://schemas.microsoft.com/office/drawing/2014/main" id="{24D94CED-B7B5-88C9-EACD-0488F6B23F08}"/>
               </a:ext>
             </a:extLst>
           </p:cNvPr>
@@ -306,7 +306,7 @@
           <a:bodyPr/>
           <a:lstStyle/>
           <a:p>
-            <a:fld id="{22095328-993B-4EA4-9FAF-60F850ACE64F}" type="slidenum">
+            <a:fld id="{003F3111-BF3F-4E24-B065-8152C5CC2BF0}" type="slidenum">
               <a:rPr lang="zh-CN" altLang="en-US" smtClean="0"/>
               <a:t>‹#›</a:t>
             </a:fld>
@@ -317,7 +317,7 @@
     </p:spTree>
     <p:extLst>
       <p:ext uri="{BB962C8B-B14F-4D97-AF65-F5344CB8AC3E}">
-        <p14:creationId xmlns:p14="http://schemas.microsoft.com/office/powerpoint/2010/main" val="271804682"/>
+        <p14:creationId xmlns:p14="http://schemas.microsoft.com/office/powerpoint/2010/main" val="1083344052"/>
       </p:ext>
     </p:extLst>
   </p:cSld>
@@ -349,7 +349,7 @@
           <p:cNvPr id="2" name="标题 1">
             <a:extLst>
               <a:ext uri="{FF2B5EF4-FFF2-40B4-BE49-F238E27FC236}">
-                <a16:creationId xmlns:a16="http://schemas.microsoft.com/office/drawing/2014/main" id="{CBE330BD-D9EC-C3EE-439D-56C18188DB99}"/>
+                <a16:creationId xmlns:a16="http://schemas.microsoft.com/office/drawing/2014/main" id="{BF62CC37-2BDC-8FF1-17AD-FE5F7A918C00}"/>
               </a:ext>
             </a:extLst>
           </p:cNvPr>
@@ -377,7 +377,7 @@
           <p:cNvPr id="3" name="竖排文字占位符 2">
             <a:extLst>
               <a:ext uri="{FF2B5EF4-FFF2-40B4-BE49-F238E27FC236}">
-                <a16:creationId xmlns:a16="http://schemas.microsoft.com/office/drawing/2014/main" id="{E87662B3-4FB3-C1BD-6378-8F8FAFC2166E}"/>
+                <a16:creationId xmlns:a16="http://schemas.microsoft.com/office/drawing/2014/main" id="{C9ED58F6-81FD-6EEF-8529-92820FF5E297}"/>
               </a:ext>
             </a:extLst>
           </p:cNvPr>
@@ -434,7 +434,7 @@
           <p:cNvPr id="4" name="日期占位符 3">
             <a:extLst>
               <a:ext uri="{FF2B5EF4-FFF2-40B4-BE49-F238E27FC236}">
-                <a16:creationId xmlns:a16="http://schemas.microsoft.com/office/drawing/2014/main" id="{02F68025-2B40-46AC-7932-C32E8B075E01}"/>
+                <a16:creationId xmlns:a16="http://schemas.microsoft.com/office/drawing/2014/main" id="{15FC7992-5237-866F-7912-09EEA4784F6C}"/>
               </a:ext>
             </a:extLst>
           </p:cNvPr>
@@ -450,7 +450,7 @@
           <a:bodyPr/>
           <a:lstStyle/>
           <a:p>
-            <a:fld id="{5145CE5C-672D-4DB5-BC82-1F812DB69450}" type="datetimeFigureOut">
+            <a:fld id="{D7D39C79-E02B-449A-B12A-1298AB9D4306}" type="datetimeFigureOut">
               <a:rPr lang="zh-CN" altLang="en-US" smtClean="0"/>
               <a:t>2024/3/10</a:t>
             </a:fld>
@@ -463,7 +463,7 @@
           <p:cNvPr id="5" name="页脚占位符 4">
             <a:extLst>
               <a:ext uri="{FF2B5EF4-FFF2-40B4-BE49-F238E27FC236}">
-                <a16:creationId xmlns:a16="http://schemas.microsoft.com/office/drawing/2014/main" id="{F6E02745-835F-331F-A6B6-FF39EE55C4BB}"/>
+                <a16:creationId xmlns:a16="http://schemas.microsoft.com/office/drawing/2014/main" id="{6421E3A5-5533-D3C3-7D39-6ADA46EA0241}"/>
               </a:ext>
             </a:extLst>
           </p:cNvPr>
@@ -488,7 +488,7 @@
           <p:cNvPr id="6" name="灯片编号占位符 5">
             <a:extLst>
               <a:ext uri="{FF2B5EF4-FFF2-40B4-BE49-F238E27FC236}">
-                <a16:creationId xmlns:a16="http://schemas.microsoft.com/office/drawing/2014/main" id="{7CAC1D9D-2DBA-ADCE-53B0-AE048E3FCD21}"/>
+                <a16:creationId xmlns:a16="http://schemas.microsoft.com/office/drawing/2014/main" id="{754786DB-9B3F-9FA8-4B42-DFBA1F2D8CA5}"/>
               </a:ext>
             </a:extLst>
           </p:cNvPr>
@@ -504,7 +504,7 @@
           <a:bodyPr/>
           <a:lstStyle/>
           <a:p>
-            <a:fld id="{22095328-993B-4EA4-9FAF-60F850ACE64F}" type="slidenum">
+            <a:fld id="{003F3111-BF3F-4E24-B065-8152C5CC2BF0}" type="slidenum">
               <a:rPr lang="zh-CN" altLang="en-US" smtClean="0"/>
               <a:t>‹#›</a:t>
             </a:fld>
@@ -515,7 +515,7 @@
     </p:spTree>
     <p:extLst>
       <p:ext uri="{BB962C8B-B14F-4D97-AF65-F5344CB8AC3E}">
-        <p14:creationId xmlns:p14="http://schemas.microsoft.com/office/powerpoint/2010/main" val="2552963777"/>
+        <p14:creationId xmlns:p14="http://schemas.microsoft.com/office/powerpoint/2010/main" val="1073528435"/>
       </p:ext>
     </p:extLst>
   </p:cSld>
@@ -547,7 +547,7 @@
           <p:cNvPr id="2" name="竖排标题 1">
             <a:extLst>
               <a:ext uri="{FF2B5EF4-FFF2-40B4-BE49-F238E27FC236}">
-                <a16:creationId xmlns:a16="http://schemas.microsoft.com/office/drawing/2014/main" id="{3B215C24-EC28-0705-D0B5-9DE285FE9A1D}"/>
+                <a16:creationId xmlns:a16="http://schemas.microsoft.com/office/drawing/2014/main" id="{8134D454-F410-D5C6-68EB-534C7D59E7C2}"/>
               </a:ext>
             </a:extLst>
           </p:cNvPr>
@@ -580,7 +580,7 @@
           <p:cNvPr id="3" name="竖排文字占位符 2">
             <a:extLst>
               <a:ext uri="{FF2B5EF4-FFF2-40B4-BE49-F238E27FC236}">
-                <a16:creationId xmlns:a16="http://schemas.microsoft.com/office/drawing/2014/main" id="{04940273-A877-BA89-E2B0-C93C98404B24}"/>
+                <a16:creationId xmlns:a16="http://schemas.microsoft.com/office/drawing/2014/main" id="{FA3B44D9-DF0E-8D13-AE3C-6FE6DF53C330}"/>
               </a:ext>
             </a:extLst>
           </p:cNvPr>
@@ -642,7 +642,7 @@
           <p:cNvPr id="4" name="日期占位符 3">
             <a:extLst>
               <a:ext uri="{FF2B5EF4-FFF2-40B4-BE49-F238E27FC236}">
-                <a16:creationId xmlns:a16="http://schemas.microsoft.com/office/drawing/2014/main" id="{7632A01D-E822-10D7-DDB3-5E52EB3AD27E}"/>
+                <a16:creationId xmlns:a16="http://schemas.microsoft.com/office/drawing/2014/main" id="{58707855-C7CF-A4D6-71BB-A4EE58D626F6}"/>
               </a:ext>
             </a:extLst>
           </p:cNvPr>
@@ -658,7 +658,7 @@
           <a:bodyPr/>
           <a:lstStyle/>
           <a:p>
-            <a:fld id="{5145CE5C-672D-4DB5-BC82-1F812DB69450}" type="datetimeFigureOut">
+            <a:fld id="{D7D39C79-E02B-449A-B12A-1298AB9D4306}" type="datetimeFigureOut">
               <a:rPr lang="zh-CN" altLang="en-US" smtClean="0"/>
               <a:t>2024/3/10</a:t>
             </a:fld>
@@ -671,7 +671,7 @@
           <p:cNvPr id="5" name="页脚占位符 4">
             <a:extLst>
               <a:ext uri="{FF2B5EF4-FFF2-40B4-BE49-F238E27FC236}">
-                <a16:creationId xmlns:a16="http://schemas.microsoft.com/office/drawing/2014/main" id="{98CC6602-2C8E-84F0-4666-F151CC515CA3}"/>
+                <a16:creationId xmlns:a16="http://schemas.microsoft.com/office/drawing/2014/main" id="{F141798D-ED49-4973-BD4D-7CA326542689}"/>
               </a:ext>
             </a:extLst>
           </p:cNvPr>
@@ -696,7 +696,7 @@
           <p:cNvPr id="6" name="灯片编号占位符 5">
             <a:extLst>
               <a:ext uri="{FF2B5EF4-FFF2-40B4-BE49-F238E27FC236}">
-                <a16:creationId xmlns:a16="http://schemas.microsoft.com/office/drawing/2014/main" id="{3FD5F080-7935-ECAE-60DB-543616041C4E}"/>
+                <a16:creationId xmlns:a16="http://schemas.microsoft.com/office/drawing/2014/main" id="{C887DDA9-7DDD-021E-2678-728231DCEE13}"/>
               </a:ext>
             </a:extLst>
           </p:cNvPr>
@@ -712,7 +712,7 @@
           <a:bodyPr/>
           <a:lstStyle/>
           <a:p>
-            <a:fld id="{22095328-993B-4EA4-9FAF-60F850ACE64F}" type="slidenum">
+            <a:fld id="{003F3111-BF3F-4E24-B065-8152C5CC2BF0}" type="slidenum">
               <a:rPr lang="zh-CN" altLang="en-US" smtClean="0"/>
               <a:t>‹#›</a:t>
             </a:fld>
@@ -723,7 +723,7 @@
     </p:spTree>
     <p:extLst>
       <p:ext uri="{BB962C8B-B14F-4D97-AF65-F5344CB8AC3E}">
-        <p14:creationId xmlns:p14="http://schemas.microsoft.com/office/powerpoint/2010/main" val="512768987"/>
+        <p14:creationId xmlns:p14="http://schemas.microsoft.com/office/powerpoint/2010/main" val="333401745"/>
       </p:ext>
     </p:extLst>
   </p:cSld>
@@ -755,7 +755,7 @@
           <p:cNvPr id="2" name="标题 1">
             <a:extLst>
               <a:ext uri="{FF2B5EF4-FFF2-40B4-BE49-F238E27FC236}">
-                <a16:creationId xmlns:a16="http://schemas.microsoft.com/office/drawing/2014/main" id="{99C9FE10-70E5-1947-1BBE-01FC6CBB5C74}"/>
+                <a16:creationId xmlns:a16="http://schemas.microsoft.com/office/drawing/2014/main" id="{7F930084-F061-DA8C-ED36-C2EEAF3DA616}"/>
               </a:ext>
             </a:extLst>
           </p:cNvPr>
@@ -783,7 +783,7 @@
           <p:cNvPr id="3" name="内容占位符 2">
             <a:extLst>
               <a:ext uri="{FF2B5EF4-FFF2-40B4-BE49-F238E27FC236}">
-                <a16:creationId xmlns:a16="http://schemas.microsoft.com/office/drawing/2014/main" id="{DC97A0A4-129D-17CC-E0CF-CF229A72149E}"/>
+                <a16:creationId xmlns:a16="http://schemas.microsoft.com/office/drawing/2014/main" id="{F9D3F013-DE5C-FD29-1945-12CEE7F0E6F6}"/>
               </a:ext>
             </a:extLst>
           </p:cNvPr>
@@ -840,7 +840,7 @@
           <p:cNvPr id="4" name="日期占位符 3">
             <a:extLst>
               <a:ext uri="{FF2B5EF4-FFF2-40B4-BE49-F238E27FC236}">
-                <a16:creationId xmlns:a16="http://schemas.microsoft.com/office/drawing/2014/main" id="{624D5CB2-CA94-98C4-87A5-0425E3146FC7}"/>
+                <a16:creationId xmlns:a16="http://schemas.microsoft.com/office/drawing/2014/main" id="{BF85DFCD-02ED-E3BB-191B-0A8B6646F653}"/>
               </a:ext>
             </a:extLst>
           </p:cNvPr>
@@ -856,7 +856,7 @@
           <a:bodyPr/>
           <a:lstStyle/>
           <a:p>
-            <a:fld id="{5145CE5C-672D-4DB5-BC82-1F812DB69450}" type="datetimeFigureOut">
+            <a:fld id="{D7D39C79-E02B-449A-B12A-1298AB9D4306}" type="datetimeFigureOut">
               <a:rPr lang="zh-CN" altLang="en-US" smtClean="0"/>
               <a:t>2024/3/10</a:t>
             </a:fld>
@@ -869,7 +869,7 @@
           <p:cNvPr id="5" name="页脚占位符 4">
             <a:extLst>
               <a:ext uri="{FF2B5EF4-FFF2-40B4-BE49-F238E27FC236}">
-                <a16:creationId xmlns:a16="http://schemas.microsoft.com/office/drawing/2014/main" id="{7CEE97A4-2183-B003-1641-0406CB181F2D}"/>
+                <a16:creationId xmlns:a16="http://schemas.microsoft.com/office/drawing/2014/main" id="{D99EC3CB-FC64-ADAA-52E5-3CB10938D724}"/>
               </a:ext>
             </a:extLst>
           </p:cNvPr>
@@ -894,7 +894,7 @@
           <p:cNvPr id="6" name="灯片编号占位符 5">
             <a:extLst>
               <a:ext uri="{FF2B5EF4-FFF2-40B4-BE49-F238E27FC236}">
-                <a16:creationId xmlns:a16="http://schemas.microsoft.com/office/drawing/2014/main" id="{AF4E098C-0DBD-8035-B94B-97965F3E4FE3}"/>
+                <a16:creationId xmlns:a16="http://schemas.microsoft.com/office/drawing/2014/main" id="{99004542-9EB2-82A2-FE8A-11A907964B1A}"/>
               </a:ext>
             </a:extLst>
           </p:cNvPr>
@@ -910,7 +910,7 @@
           <a:bodyPr/>
           <a:lstStyle/>
           <a:p>
-            <a:fld id="{22095328-993B-4EA4-9FAF-60F850ACE64F}" type="slidenum">
+            <a:fld id="{003F3111-BF3F-4E24-B065-8152C5CC2BF0}" type="slidenum">
               <a:rPr lang="zh-CN" altLang="en-US" smtClean="0"/>
               <a:t>‹#›</a:t>
             </a:fld>
@@ -921,7 +921,7 @@
     </p:spTree>
     <p:extLst>
       <p:ext uri="{BB962C8B-B14F-4D97-AF65-F5344CB8AC3E}">
-        <p14:creationId xmlns:p14="http://schemas.microsoft.com/office/powerpoint/2010/main" val="3608131355"/>
+        <p14:creationId xmlns:p14="http://schemas.microsoft.com/office/powerpoint/2010/main" val="3906484633"/>
       </p:ext>
     </p:extLst>
   </p:cSld>
@@ -953,7 +953,7 @@
           <p:cNvPr id="2" name="标题 1">
             <a:extLst>
               <a:ext uri="{FF2B5EF4-FFF2-40B4-BE49-F238E27FC236}">
-                <a16:creationId xmlns:a16="http://schemas.microsoft.com/office/drawing/2014/main" id="{BC25D041-F17B-6D3D-95FC-5A99EAACCB4E}"/>
+                <a16:creationId xmlns:a16="http://schemas.microsoft.com/office/drawing/2014/main" id="{7B1618EF-0BF0-CC65-B07A-936D36CE3AA2}"/>
               </a:ext>
             </a:extLst>
           </p:cNvPr>
@@ -990,7 +990,7 @@
           <p:cNvPr id="3" name="文本占位符 2">
             <a:extLst>
               <a:ext uri="{FF2B5EF4-FFF2-40B4-BE49-F238E27FC236}">
-                <a16:creationId xmlns:a16="http://schemas.microsoft.com/office/drawing/2014/main" id="{4F80DBE7-C845-5CBA-D529-44F4C7DB89A2}"/>
+                <a16:creationId xmlns:a16="http://schemas.microsoft.com/office/drawing/2014/main" id="{96F20BA9-6C51-EDA9-9515-E97D5CC7B683}"/>
               </a:ext>
             </a:extLst>
           </p:cNvPr>
@@ -1115,7 +1115,7 @@
           <p:cNvPr id="4" name="日期占位符 3">
             <a:extLst>
               <a:ext uri="{FF2B5EF4-FFF2-40B4-BE49-F238E27FC236}">
-                <a16:creationId xmlns:a16="http://schemas.microsoft.com/office/drawing/2014/main" id="{7DE984E9-79E4-7D2F-2622-0A0FDA0D7FB7}"/>
+                <a16:creationId xmlns:a16="http://schemas.microsoft.com/office/drawing/2014/main" id="{917D1A6C-FE97-5865-15E8-2F486E05CC2A}"/>
               </a:ext>
             </a:extLst>
           </p:cNvPr>
@@ -1131,7 +1131,7 @@
           <a:bodyPr/>
           <a:lstStyle/>
           <a:p>
-            <a:fld id="{5145CE5C-672D-4DB5-BC82-1F812DB69450}" type="datetimeFigureOut">
+            <a:fld id="{D7D39C79-E02B-449A-B12A-1298AB9D4306}" type="datetimeFigureOut">
               <a:rPr lang="zh-CN" altLang="en-US" smtClean="0"/>
               <a:t>2024/3/10</a:t>
             </a:fld>
@@ -1144,7 +1144,7 @@
           <p:cNvPr id="5" name="页脚占位符 4">
             <a:extLst>
               <a:ext uri="{FF2B5EF4-FFF2-40B4-BE49-F238E27FC236}">
-                <a16:creationId xmlns:a16="http://schemas.microsoft.com/office/drawing/2014/main" id="{07765E99-4233-A1C6-92E7-F2318F78107E}"/>
+                <a16:creationId xmlns:a16="http://schemas.microsoft.com/office/drawing/2014/main" id="{B797E6B3-6312-A5C6-1414-14CEC904B8CE}"/>
               </a:ext>
             </a:extLst>
           </p:cNvPr>
@@ -1169,7 +1169,7 @@
           <p:cNvPr id="6" name="灯片编号占位符 5">
             <a:extLst>
               <a:ext uri="{FF2B5EF4-FFF2-40B4-BE49-F238E27FC236}">
-                <a16:creationId xmlns:a16="http://schemas.microsoft.com/office/drawing/2014/main" id="{48683892-84F7-F7F7-5E02-47F9EFA7CAF8}"/>
+                <a16:creationId xmlns:a16="http://schemas.microsoft.com/office/drawing/2014/main" id="{2B755E75-955F-05D8-6F3A-38B8C6045EAD}"/>
               </a:ext>
             </a:extLst>
           </p:cNvPr>
@@ -1185,7 +1185,7 @@
           <a:bodyPr/>
           <a:lstStyle/>
           <a:p>
-            <a:fld id="{22095328-993B-4EA4-9FAF-60F850ACE64F}" type="slidenum">
+            <a:fld id="{003F3111-BF3F-4E24-B065-8152C5CC2BF0}" type="slidenum">
               <a:rPr lang="zh-CN" altLang="en-US" smtClean="0"/>
               <a:t>‹#›</a:t>
             </a:fld>
@@ -1196,7 +1196,7 @@
     </p:spTree>
     <p:extLst>
       <p:ext uri="{BB962C8B-B14F-4D97-AF65-F5344CB8AC3E}">
-        <p14:creationId xmlns:p14="http://schemas.microsoft.com/office/powerpoint/2010/main" val="762102322"/>
+        <p14:creationId xmlns:p14="http://schemas.microsoft.com/office/powerpoint/2010/main" val="1878437223"/>
       </p:ext>
     </p:extLst>
   </p:cSld>
@@ -1228,7 +1228,7 @@
           <p:cNvPr id="2" name="标题 1">
             <a:extLst>
               <a:ext uri="{FF2B5EF4-FFF2-40B4-BE49-F238E27FC236}">
-                <a16:creationId xmlns:a16="http://schemas.microsoft.com/office/drawing/2014/main" id="{9B2B0004-643C-18F2-9DE0-8C46D1EFAAD6}"/>
+                <a16:creationId xmlns:a16="http://schemas.microsoft.com/office/drawing/2014/main" id="{5E2D65A9-2F71-52A4-47C4-9A14AB9329A7}"/>
               </a:ext>
             </a:extLst>
           </p:cNvPr>
@@ -1256,7 +1256,7 @@
           <p:cNvPr id="3" name="内容占位符 2">
             <a:extLst>
               <a:ext uri="{FF2B5EF4-FFF2-40B4-BE49-F238E27FC236}">
-                <a16:creationId xmlns:a16="http://schemas.microsoft.com/office/drawing/2014/main" id="{93587F9F-315C-BD70-34A1-848A12CD4CB9}"/>
+                <a16:creationId xmlns:a16="http://schemas.microsoft.com/office/drawing/2014/main" id="{026489F3-BF94-D8BE-A201-6CD474A56BEA}"/>
               </a:ext>
             </a:extLst>
           </p:cNvPr>
@@ -1318,7 +1318,7 @@
           <p:cNvPr id="4" name="内容占位符 3">
             <a:extLst>
               <a:ext uri="{FF2B5EF4-FFF2-40B4-BE49-F238E27FC236}">
-                <a16:creationId xmlns:a16="http://schemas.microsoft.com/office/drawing/2014/main" id="{84484F57-7210-B205-8244-61D2614DBAC4}"/>
+                <a16:creationId xmlns:a16="http://schemas.microsoft.com/office/drawing/2014/main" id="{5D356F53-E796-B005-2BF6-6DA9C940C0F0}"/>
               </a:ext>
             </a:extLst>
           </p:cNvPr>
@@ -1380,7 +1380,7 @@
           <p:cNvPr id="5" name="日期占位符 4">
             <a:extLst>
               <a:ext uri="{FF2B5EF4-FFF2-40B4-BE49-F238E27FC236}">
-                <a16:creationId xmlns:a16="http://schemas.microsoft.com/office/drawing/2014/main" id="{8D38FCEE-CF05-698D-2984-2968E53E78DF}"/>
+                <a16:creationId xmlns:a16="http://schemas.microsoft.com/office/drawing/2014/main" id="{54ED4813-B969-AB3A-94D9-58A3DCEC61C7}"/>
               </a:ext>
             </a:extLst>
           </p:cNvPr>
@@ -1396,7 +1396,7 @@
           <a:bodyPr/>
           <a:lstStyle/>
           <a:p>
-            <a:fld id="{5145CE5C-672D-4DB5-BC82-1F812DB69450}" type="datetimeFigureOut">
+            <a:fld id="{D7D39C79-E02B-449A-B12A-1298AB9D4306}" type="datetimeFigureOut">
               <a:rPr lang="zh-CN" altLang="en-US" smtClean="0"/>
               <a:t>2024/3/10</a:t>
             </a:fld>
@@ -1409,7 +1409,7 @@
           <p:cNvPr id="6" name="页脚占位符 5">
             <a:extLst>
               <a:ext uri="{FF2B5EF4-FFF2-40B4-BE49-F238E27FC236}">
-                <a16:creationId xmlns:a16="http://schemas.microsoft.com/office/drawing/2014/main" id="{536942AE-0286-0F37-A887-2B1EEB587D0A}"/>
+                <a16:creationId xmlns:a16="http://schemas.microsoft.com/office/drawing/2014/main" id="{BCBB2496-336E-3761-54D8-BCD0F4775B0C}"/>
               </a:ext>
             </a:extLst>
           </p:cNvPr>
@@ -1434,7 +1434,7 @@
           <p:cNvPr id="7" name="灯片编号占位符 6">
             <a:extLst>
               <a:ext uri="{FF2B5EF4-FFF2-40B4-BE49-F238E27FC236}">
-                <a16:creationId xmlns:a16="http://schemas.microsoft.com/office/drawing/2014/main" id="{5D7C3FF6-8B00-BBCF-CE2B-66CA71948651}"/>
+                <a16:creationId xmlns:a16="http://schemas.microsoft.com/office/drawing/2014/main" id="{59E83E61-C70C-C4B3-8271-FAEF91E2368E}"/>
               </a:ext>
             </a:extLst>
           </p:cNvPr>
@@ -1450,7 +1450,7 @@
           <a:bodyPr/>
           <a:lstStyle/>
           <a:p>
-            <a:fld id="{22095328-993B-4EA4-9FAF-60F850ACE64F}" type="slidenum">
+            <a:fld id="{003F3111-BF3F-4E24-B065-8152C5CC2BF0}" type="slidenum">
               <a:rPr lang="zh-CN" altLang="en-US" smtClean="0"/>
               <a:t>‹#›</a:t>
             </a:fld>
@@ -1461,7 +1461,7 @@
     </p:spTree>
     <p:extLst>
       <p:ext uri="{BB962C8B-B14F-4D97-AF65-F5344CB8AC3E}">
-        <p14:creationId xmlns:p14="http://schemas.microsoft.com/office/powerpoint/2010/main" val="1879007375"/>
+        <p14:creationId xmlns:p14="http://schemas.microsoft.com/office/powerpoint/2010/main" val="1791431165"/>
       </p:ext>
     </p:extLst>
   </p:cSld>
@@ -1493,7 +1493,7 @@
           <p:cNvPr id="2" name="标题 1">
             <a:extLst>
               <a:ext uri="{FF2B5EF4-FFF2-40B4-BE49-F238E27FC236}">
-                <a16:creationId xmlns:a16="http://schemas.microsoft.com/office/drawing/2014/main" id="{F2D5375F-56EA-AE96-3B08-1FB020743965}"/>
+                <a16:creationId xmlns:a16="http://schemas.microsoft.com/office/drawing/2014/main" id="{E0B72C3A-2F44-F4C4-A20E-20061601BFD7}"/>
               </a:ext>
             </a:extLst>
           </p:cNvPr>
@@ -1526,7 +1526,7 @@
           <p:cNvPr id="3" name="文本占位符 2">
             <a:extLst>
               <a:ext uri="{FF2B5EF4-FFF2-40B4-BE49-F238E27FC236}">
-                <a16:creationId xmlns:a16="http://schemas.microsoft.com/office/drawing/2014/main" id="{20098E73-662D-2D5C-7FFC-31DF20CD6534}"/>
+                <a16:creationId xmlns:a16="http://schemas.microsoft.com/office/drawing/2014/main" id="{05CDF07B-4904-9D55-6D51-C56BC5F1ADBA}"/>
               </a:ext>
             </a:extLst>
           </p:cNvPr>
@@ -1597,7 +1597,7 @@
           <p:cNvPr id="4" name="内容占位符 3">
             <a:extLst>
               <a:ext uri="{FF2B5EF4-FFF2-40B4-BE49-F238E27FC236}">
-                <a16:creationId xmlns:a16="http://schemas.microsoft.com/office/drawing/2014/main" id="{A9D099E3-62D6-F4BE-01F2-EE90F4A63AE7}"/>
+                <a16:creationId xmlns:a16="http://schemas.microsoft.com/office/drawing/2014/main" id="{09F778C6-F6F9-5DB3-EE24-03852E6DE6CD}"/>
               </a:ext>
             </a:extLst>
           </p:cNvPr>
@@ -1659,7 +1659,7 @@
           <p:cNvPr id="5" name="文本占位符 4">
             <a:extLst>
               <a:ext uri="{FF2B5EF4-FFF2-40B4-BE49-F238E27FC236}">
-                <a16:creationId xmlns:a16="http://schemas.microsoft.com/office/drawing/2014/main" id="{D24C8A02-EB05-A8B0-C6A2-EB6ED3B08BAD}"/>
+                <a16:creationId xmlns:a16="http://schemas.microsoft.com/office/drawing/2014/main" id="{642B5DEC-FC5D-BBC2-7121-E014159564EC}"/>
               </a:ext>
             </a:extLst>
           </p:cNvPr>
@@ -1730,7 +1730,7 @@
           <p:cNvPr id="6" name="内容占位符 5">
             <a:extLst>
               <a:ext uri="{FF2B5EF4-FFF2-40B4-BE49-F238E27FC236}">
-                <a16:creationId xmlns:a16="http://schemas.microsoft.com/office/drawing/2014/main" id="{88227D18-854B-6CB1-D63B-BC54D5CA3497}"/>
+                <a16:creationId xmlns:a16="http://schemas.microsoft.com/office/drawing/2014/main" id="{81D07BF3-C839-655B-258A-D3384DBA9961}"/>
               </a:ext>
             </a:extLst>
           </p:cNvPr>
@@ -1792,7 +1792,7 @@
           <p:cNvPr id="7" name="日期占位符 6">
             <a:extLst>
               <a:ext uri="{FF2B5EF4-FFF2-40B4-BE49-F238E27FC236}">
-                <a16:creationId xmlns:a16="http://schemas.microsoft.com/office/drawing/2014/main" id="{DC67599F-FDB7-17E2-5F01-1B62FFE05DB0}"/>
+                <a16:creationId xmlns:a16="http://schemas.microsoft.com/office/drawing/2014/main" id="{55A54565-5D99-74B9-5077-EF4C717E9357}"/>
               </a:ext>
             </a:extLst>
           </p:cNvPr>
@@ -1808,7 +1808,7 @@
           <a:bodyPr/>
           <a:lstStyle/>
           <a:p>
-            <a:fld id="{5145CE5C-672D-4DB5-BC82-1F812DB69450}" type="datetimeFigureOut">
+            <a:fld id="{D7D39C79-E02B-449A-B12A-1298AB9D4306}" type="datetimeFigureOut">
               <a:rPr lang="zh-CN" altLang="en-US" smtClean="0"/>
               <a:t>2024/3/10</a:t>
             </a:fld>
@@ -1821,7 +1821,7 @@
           <p:cNvPr id="8" name="页脚占位符 7">
             <a:extLst>
               <a:ext uri="{FF2B5EF4-FFF2-40B4-BE49-F238E27FC236}">
-                <a16:creationId xmlns:a16="http://schemas.microsoft.com/office/drawing/2014/main" id="{BFE7EE08-B68C-47B0-2A4A-B5B3DD3625CE}"/>
+                <a16:creationId xmlns:a16="http://schemas.microsoft.com/office/drawing/2014/main" id="{90360623-E6D7-E616-4863-910667F8B3DD}"/>
               </a:ext>
             </a:extLst>
           </p:cNvPr>
@@ -1846,7 +1846,7 @@
           <p:cNvPr id="9" name="灯片编号占位符 8">
             <a:extLst>
               <a:ext uri="{FF2B5EF4-FFF2-40B4-BE49-F238E27FC236}">
-                <a16:creationId xmlns:a16="http://schemas.microsoft.com/office/drawing/2014/main" id="{BA09C432-7868-7529-3528-825EEF0EEEEE}"/>
+                <a16:creationId xmlns:a16="http://schemas.microsoft.com/office/drawing/2014/main" id="{44F5A390-1D76-BF2F-8A5F-2F99E895E9B8}"/>
               </a:ext>
             </a:extLst>
           </p:cNvPr>
@@ -1862,7 +1862,7 @@
           <a:bodyPr/>
           <a:lstStyle/>
           <a:p>
-            <a:fld id="{22095328-993B-4EA4-9FAF-60F850ACE64F}" type="slidenum">
+            <a:fld id="{003F3111-BF3F-4E24-B065-8152C5CC2BF0}" type="slidenum">
               <a:rPr lang="zh-CN" altLang="en-US" smtClean="0"/>
               <a:t>‹#›</a:t>
             </a:fld>
@@ -1873,7 +1873,7 @@
     </p:spTree>
     <p:extLst>
       <p:ext uri="{BB962C8B-B14F-4D97-AF65-F5344CB8AC3E}">
-        <p14:creationId xmlns:p14="http://schemas.microsoft.com/office/powerpoint/2010/main" val="968689925"/>
+        <p14:creationId xmlns:p14="http://schemas.microsoft.com/office/powerpoint/2010/main" val="3321037722"/>
       </p:ext>
     </p:extLst>
   </p:cSld>
@@ -1905,7 +1905,7 @@
           <p:cNvPr id="2" name="标题 1">
             <a:extLst>
               <a:ext uri="{FF2B5EF4-FFF2-40B4-BE49-F238E27FC236}">
-                <a16:creationId xmlns:a16="http://schemas.microsoft.com/office/drawing/2014/main" id="{4BCF0ECA-F46C-94B1-529E-4E7F837F5976}"/>
+                <a16:creationId xmlns:a16="http://schemas.microsoft.com/office/drawing/2014/main" id="{A49F7A55-E3C0-7F88-60D7-B18B4D1CD50E}"/>
               </a:ext>
             </a:extLst>
           </p:cNvPr>
@@ -1933,7 +1933,7 @@
           <p:cNvPr id="3" name="日期占位符 2">
             <a:extLst>
               <a:ext uri="{FF2B5EF4-FFF2-40B4-BE49-F238E27FC236}">
-                <a16:creationId xmlns:a16="http://schemas.microsoft.com/office/drawing/2014/main" id="{DB050267-0F4C-8A6E-F059-A6D651C0CE0A}"/>
+                <a16:creationId xmlns:a16="http://schemas.microsoft.com/office/drawing/2014/main" id="{5150CB29-172B-B90F-2D71-97FEB2BBAB83}"/>
               </a:ext>
             </a:extLst>
           </p:cNvPr>
@@ -1949,7 +1949,7 @@
           <a:bodyPr/>
           <a:lstStyle/>
           <a:p>
-            <a:fld id="{5145CE5C-672D-4DB5-BC82-1F812DB69450}" type="datetimeFigureOut">
+            <a:fld id="{D7D39C79-E02B-449A-B12A-1298AB9D4306}" type="datetimeFigureOut">
               <a:rPr lang="zh-CN" altLang="en-US" smtClean="0"/>
               <a:t>2024/3/10</a:t>
             </a:fld>
@@ -1962,7 +1962,7 @@
           <p:cNvPr id="4" name="页脚占位符 3">
             <a:extLst>
               <a:ext uri="{FF2B5EF4-FFF2-40B4-BE49-F238E27FC236}">
-                <a16:creationId xmlns:a16="http://schemas.microsoft.com/office/drawing/2014/main" id="{0676A11E-610D-AD5B-8F95-C6E1DC52AD61}"/>
+                <a16:creationId xmlns:a16="http://schemas.microsoft.com/office/drawing/2014/main" id="{14D3A665-316D-C8C2-E15C-5D7A9EF6439F}"/>
               </a:ext>
             </a:extLst>
           </p:cNvPr>
@@ -1987,7 +1987,7 @@
           <p:cNvPr id="5" name="灯片编号占位符 4">
             <a:extLst>
               <a:ext uri="{FF2B5EF4-FFF2-40B4-BE49-F238E27FC236}">
-                <a16:creationId xmlns:a16="http://schemas.microsoft.com/office/drawing/2014/main" id="{D03556B5-C3DA-A9F8-945D-6061C6114476}"/>
+                <a16:creationId xmlns:a16="http://schemas.microsoft.com/office/drawing/2014/main" id="{B4F52C08-473F-43A8-D7E3-BBD1799968D9}"/>
               </a:ext>
             </a:extLst>
           </p:cNvPr>
@@ -2003,7 +2003,7 @@
           <a:bodyPr/>
           <a:lstStyle/>
           <a:p>
-            <a:fld id="{22095328-993B-4EA4-9FAF-60F850ACE64F}" type="slidenum">
+            <a:fld id="{003F3111-BF3F-4E24-B065-8152C5CC2BF0}" type="slidenum">
               <a:rPr lang="zh-CN" altLang="en-US" smtClean="0"/>
               <a:t>‹#›</a:t>
             </a:fld>
@@ -2014,7 +2014,7 @@
     </p:spTree>
     <p:extLst>
       <p:ext uri="{BB962C8B-B14F-4D97-AF65-F5344CB8AC3E}">
-        <p14:creationId xmlns:p14="http://schemas.microsoft.com/office/powerpoint/2010/main" val="3672937684"/>
+        <p14:creationId xmlns:p14="http://schemas.microsoft.com/office/powerpoint/2010/main" val="1317444238"/>
       </p:ext>
     </p:extLst>
   </p:cSld>
@@ -2046,7 +2046,7 @@
           <p:cNvPr id="2" name="日期占位符 1">
             <a:extLst>
               <a:ext uri="{FF2B5EF4-FFF2-40B4-BE49-F238E27FC236}">
-                <a16:creationId xmlns:a16="http://schemas.microsoft.com/office/drawing/2014/main" id="{E3CCE1A5-16DC-46B8-0BC5-5B90A0142F00}"/>
+                <a16:creationId xmlns:a16="http://schemas.microsoft.com/office/drawing/2014/main" id="{BC4A8B3D-DBAF-BED8-1457-C632ED126116}"/>
               </a:ext>
             </a:extLst>
           </p:cNvPr>
@@ -2062,7 +2062,7 @@
           <a:bodyPr/>
           <a:lstStyle/>
           <a:p>
-            <a:fld id="{5145CE5C-672D-4DB5-BC82-1F812DB69450}" type="datetimeFigureOut">
+            <a:fld id="{D7D39C79-E02B-449A-B12A-1298AB9D4306}" type="datetimeFigureOut">
               <a:rPr lang="zh-CN" altLang="en-US" smtClean="0"/>
               <a:t>2024/3/10</a:t>
             </a:fld>
@@ -2075,7 +2075,7 @@
           <p:cNvPr id="3" name="页脚占位符 2">
             <a:extLst>
               <a:ext uri="{FF2B5EF4-FFF2-40B4-BE49-F238E27FC236}">
-                <a16:creationId xmlns:a16="http://schemas.microsoft.com/office/drawing/2014/main" id="{C1D0A868-CFC5-1672-16B3-0903BE80A545}"/>
+                <a16:creationId xmlns:a16="http://schemas.microsoft.com/office/drawing/2014/main" id="{7756BC4A-C663-B312-22BE-86204978F23A}"/>
               </a:ext>
             </a:extLst>
           </p:cNvPr>
@@ -2100,7 +2100,7 @@
           <p:cNvPr id="4" name="灯片编号占位符 3">
             <a:extLst>
               <a:ext uri="{FF2B5EF4-FFF2-40B4-BE49-F238E27FC236}">
-                <a16:creationId xmlns:a16="http://schemas.microsoft.com/office/drawing/2014/main" id="{D867E0A8-3F93-1CB3-A1D8-7F01EE777B73}"/>
+                <a16:creationId xmlns:a16="http://schemas.microsoft.com/office/drawing/2014/main" id="{E107F91C-B774-30C6-3BEF-C99BDD786385}"/>
               </a:ext>
             </a:extLst>
           </p:cNvPr>
@@ -2116,7 +2116,7 @@
           <a:bodyPr/>
           <a:lstStyle/>
           <a:p>
-            <a:fld id="{22095328-993B-4EA4-9FAF-60F850ACE64F}" type="slidenum">
+            <a:fld id="{003F3111-BF3F-4E24-B065-8152C5CC2BF0}" type="slidenum">
               <a:rPr lang="zh-CN" altLang="en-US" smtClean="0"/>
               <a:t>‹#›</a:t>
             </a:fld>
@@ -2127,7 +2127,7 @@
     </p:spTree>
     <p:extLst>
       <p:ext uri="{BB962C8B-B14F-4D97-AF65-F5344CB8AC3E}">
-        <p14:creationId xmlns:p14="http://schemas.microsoft.com/office/powerpoint/2010/main" val="1252125258"/>
+        <p14:creationId xmlns:p14="http://schemas.microsoft.com/office/powerpoint/2010/main" val="1774597988"/>
       </p:ext>
     </p:extLst>
   </p:cSld>
@@ -2159,7 +2159,7 @@
           <p:cNvPr id="2" name="标题 1">
             <a:extLst>
               <a:ext uri="{FF2B5EF4-FFF2-40B4-BE49-F238E27FC236}">
-                <a16:creationId xmlns:a16="http://schemas.microsoft.com/office/drawing/2014/main" id="{1BF2C02E-5A84-4B82-8336-E127FEF46F08}"/>
+                <a16:creationId xmlns:a16="http://schemas.microsoft.com/office/drawing/2014/main" id="{9CEDFFC1-1DA0-B0F1-1DF7-3ECE2FEE36A6}"/>
               </a:ext>
             </a:extLst>
           </p:cNvPr>
@@ -2196,7 +2196,7 @@
           <p:cNvPr id="3" name="内容占位符 2">
             <a:extLst>
               <a:ext uri="{FF2B5EF4-FFF2-40B4-BE49-F238E27FC236}">
-                <a16:creationId xmlns:a16="http://schemas.microsoft.com/office/drawing/2014/main" id="{78F7CC01-9294-0BD3-DAB6-946CE3D7293F}"/>
+                <a16:creationId xmlns:a16="http://schemas.microsoft.com/office/drawing/2014/main" id="{936571E8-7A09-8F81-7760-8D3428F1FC95}"/>
               </a:ext>
             </a:extLst>
           </p:cNvPr>
@@ -2286,7 +2286,7 @@
           <p:cNvPr id="4" name="文本占位符 3">
             <a:extLst>
               <a:ext uri="{FF2B5EF4-FFF2-40B4-BE49-F238E27FC236}">
-                <a16:creationId xmlns:a16="http://schemas.microsoft.com/office/drawing/2014/main" id="{AE5B1420-B83C-A40E-809F-53242F63DB47}"/>
+                <a16:creationId xmlns:a16="http://schemas.microsoft.com/office/drawing/2014/main" id="{ED5C4E64-FC74-7354-D0AB-6C7DFDFB275C}"/>
               </a:ext>
             </a:extLst>
           </p:cNvPr>
@@ -2357,7 +2357,7 @@
           <p:cNvPr id="5" name="日期占位符 4">
             <a:extLst>
               <a:ext uri="{FF2B5EF4-FFF2-40B4-BE49-F238E27FC236}">
-                <a16:creationId xmlns:a16="http://schemas.microsoft.com/office/drawing/2014/main" id="{FEEF8B19-BC6F-5F78-7FA9-24350558D51A}"/>
+                <a16:creationId xmlns:a16="http://schemas.microsoft.com/office/drawing/2014/main" id="{36656693-9AEA-9FF3-657F-377315207704}"/>
               </a:ext>
             </a:extLst>
           </p:cNvPr>
@@ -2373,7 +2373,7 @@
           <a:bodyPr/>
           <a:lstStyle/>
           <a:p>
-            <a:fld id="{5145CE5C-672D-4DB5-BC82-1F812DB69450}" type="datetimeFigureOut">
+            <a:fld id="{D7D39C79-E02B-449A-B12A-1298AB9D4306}" type="datetimeFigureOut">
               <a:rPr lang="zh-CN" altLang="en-US" smtClean="0"/>
               <a:t>2024/3/10</a:t>
             </a:fld>
@@ -2386,7 +2386,7 @@
           <p:cNvPr id="6" name="页脚占位符 5">
             <a:extLst>
               <a:ext uri="{FF2B5EF4-FFF2-40B4-BE49-F238E27FC236}">
-                <a16:creationId xmlns:a16="http://schemas.microsoft.com/office/drawing/2014/main" id="{DF11BCBF-7853-1528-575F-763EF57D6CBE}"/>
+                <a16:creationId xmlns:a16="http://schemas.microsoft.com/office/drawing/2014/main" id="{04F95249-C94C-CEC2-414F-1FDACA331AD4}"/>
               </a:ext>
             </a:extLst>
           </p:cNvPr>
@@ -2411,7 +2411,7 @@
           <p:cNvPr id="7" name="灯片编号占位符 6">
             <a:extLst>
               <a:ext uri="{FF2B5EF4-FFF2-40B4-BE49-F238E27FC236}">
-                <a16:creationId xmlns:a16="http://schemas.microsoft.com/office/drawing/2014/main" id="{BF5B1241-33BA-EA96-AD0D-B6B26F92A8DF}"/>
+                <a16:creationId xmlns:a16="http://schemas.microsoft.com/office/drawing/2014/main" id="{FE6EF619-8E9C-65F7-E816-7D164FD690E3}"/>
               </a:ext>
             </a:extLst>
           </p:cNvPr>
@@ -2427,7 +2427,7 @@
           <a:bodyPr/>
           <a:lstStyle/>
           <a:p>
-            <a:fld id="{22095328-993B-4EA4-9FAF-60F850ACE64F}" type="slidenum">
+            <a:fld id="{003F3111-BF3F-4E24-B065-8152C5CC2BF0}" type="slidenum">
               <a:rPr lang="zh-CN" altLang="en-US" smtClean="0"/>
               <a:t>‹#›</a:t>
             </a:fld>
@@ -2438,7 +2438,7 @@
     </p:spTree>
     <p:extLst>
       <p:ext uri="{BB962C8B-B14F-4D97-AF65-F5344CB8AC3E}">
-        <p14:creationId xmlns:p14="http://schemas.microsoft.com/office/powerpoint/2010/main" val="2105019182"/>
+        <p14:creationId xmlns:p14="http://schemas.microsoft.com/office/powerpoint/2010/main" val="2823042376"/>
       </p:ext>
     </p:extLst>
   </p:cSld>
@@ -2470,7 +2470,7 @@
           <p:cNvPr id="2" name="标题 1">
             <a:extLst>
               <a:ext uri="{FF2B5EF4-FFF2-40B4-BE49-F238E27FC236}">
-                <a16:creationId xmlns:a16="http://schemas.microsoft.com/office/drawing/2014/main" id="{C360F2D8-9688-D933-7A49-8805095FEE31}"/>
+                <a16:creationId xmlns:a16="http://schemas.microsoft.com/office/drawing/2014/main" id="{2174552C-9F53-4B99-4CCF-4ED6B3630360}"/>
               </a:ext>
             </a:extLst>
           </p:cNvPr>
@@ -2507,7 +2507,7 @@
           <p:cNvPr id="3" name="图片占位符 2">
             <a:extLst>
               <a:ext uri="{FF2B5EF4-FFF2-40B4-BE49-F238E27FC236}">
-                <a16:creationId xmlns:a16="http://schemas.microsoft.com/office/drawing/2014/main" id="{E145341B-1A53-3B3E-D3B1-1E4A0FA6EBB6}"/>
+                <a16:creationId xmlns:a16="http://schemas.microsoft.com/office/drawing/2014/main" id="{93907276-A08B-F959-710A-A6EF79EBBBD3}"/>
               </a:ext>
             </a:extLst>
           </p:cNvPr>
@@ -2574,7 +2574,7 @@
           <p:cNvPr id="4" name="文本占位符 3">
             <a:extLst>
               <a:ext uri="{FF2B5EF4-FFF2-40B4-BE49-F238E27FC236}">
-                <a16:creationId xmlns:a16="http://schemas.microsoft.com/office/drawing/2014/main" id="{8D07169B-EF19-D09B-4BD5-7FD8C2719C72}"/>
+                <a16:creationId xmlns:a16="http://schemas.microsoft.com/office/drawing/2014/main" id="{96453EEF-8034-CF3B-9288-369F7C0E52FC}"/>
               </a:ext>
             </a:extLst>
           </p:cNvPr>
@@ -2645,7 +2645,7 @@
           <p:cNvPr id="5" name="日期占位符 4">
             <a:extLst>
               <a:ext uri="{FF2B5EF4-FFF2-40B4-BE49-F238E27FC236}">
-                <a16:creationId xmlns:a16="http://schemas.microsoft.com/office/drawing/2014/main" id="{DC916CB2-88BD-7BBB-CE93-4D25BD1615AB}"/>
+                <a16:creationId xmlns:a16="http://schemas.microsoft.com/office/drawing/2014/main" id="{3D1652CC-E7DB-DCF8-CD0E-C4FF4CD63BF7}"/>
               </a:ext>
             </a:extLst>
           </p:cNvPr>
@@ -2661,7 +2661,7 @@
           <a:bodyPr/>
           <a:lstStyle/>
           <a:p>
-            <a:fld id="{5145CE5C-672D-4DB5-BC82-1F812DB69450}" type="datetimeFigureOut">
+            <a:fld id="{D7D39C79-E02B-449A-B12A-1298AB9D4306}" type="datetimeFigureOut">
               <a:rPr lang="zh-CN" altLang="en-US" smtClean="0"/>
               <a:t>2024/3/10</a:t>
             </a:fld>
@@ -2674,7 +2674,7 @@
           <p:cNvPr id="6" name="页脚占位符 5">
             <a:extLst>
               <a:ext uri="{FF2B5EF4-FFF2-40B4-BE49-F238E27FC236}">
-                <a16:creationId xmlns:a16="http://schemas.microsoft.com/office/drawing/2014/main" id="{88E9B827-A61F-456C-607A-302ACCCBBD37}"/>
+                <a16:creationId xmlns:a16="http://schemas.microsoft.com/office/drawing/2014/main" id="{CCE22D0D-5116-782C-2F88-6B4BE3E8E333}"/>
               </a:ext>
             </a:extLst>
           </p:cNvPr>
@@ -2699,7 +2699,7 @@
           <p:cNvPr id="7" name="灯片编号占位符 6">
             <a:extLst>
               <a:ext uri="{FF2B5EF4-FFF2-40B4-BE49-F238E27FC236}">
-                <a16:creationId xmlns:a16="http://schemas.microsoft.com/office/drawing/2014/main" id="{0F18E438-E007-2468-8249-939193E8F6D1}"/>
+                <a16:creationId xmlns:a16="http://schemas.microsoft.com/office/drawing/2014/main" id="{367CA5AE-069D-13AD-C2EA-6227B86FC198}"/>
               </a:ext>
             </a:extLst>
           </p:cNvPr>
@@ -2715,7 +2715,7 @@
           <a:bodyPr/>
           <a:lstStyle/>
           <a:p>
-            <a:fld id="{22095328-993B-4EA4-9FAF-60F850ACE64F}" type="slidenum">
+            <a:fld id="{003F3111-BF3F-4E24-B065-8152C5CC2BF0}" type="slidenum">
               <a:rPr lang="zh-CN" altLang="en-US" smtClean="0"/>
               <a:t>‹#›</a:t>
             </a:fld>
@@ -2726,7 +2726,7 @@
     </p:spTree>
     <p:extLst>
       <p:ext uri="{BB962C8B-B14F-4D97-AF65-F5344CB8AC3E}">
-        <p14:creationId xmlns:p14="http://schemas.microsoft.com/office/powerpoint/2010/main" val="155995387"/>
+        <p14:creationId xmlns:p14="http://schemas.microsoft.com/office/powerpoint/2010/main" val="3811602740"/>
       </p:ext>
     </p:extLst>
   </p:cSld>
@@ -2763,7 +2763,7 @@
           <p:cNvPr id="2" name="标题占位符 1">
             <a:extLst>
               <a:ext uri="{FF2B5EF4-FFF2-40B4-BE49-F238E27FC236}">
-                <a16:creationId xmlns:a16="http://schemas.microsoft.com/office/drawing/2014/main" id="{469D1090-4965-1273-D7A3-5AB63A0018CC}"/>
+                <a16:creationId xmlns:a16="http://schemas.microsoft.com/office/drawing/2014/main" id="{FE2D4BFB-BE81-AC4E-3FFE-4B9C3E2574D8}"/>
               </a:ext>
             </a:extLst>
           </p:cNvPr>
@@ -2801,7 +2801,7 @@
           <p:cNvPr id="3" name="文本占位符 2">
             <a:extLst>
               <a:ext uri="{FF2B5EF4-FFF2-40B4-BE49-F238E27FC236}">
-                <a16:creationId xmlns:a16="http://schemas.microsoft.com/office/drawing/2014/main" id="{B5F8BBD8-F16F-B533-6DDF-7F5F4F4E0FE3}"/>
+                <a16:creationId xmlns:a16="http://schemas.microsoft.com/office/drawing/2014/main" id="{F0C1E687-68DE-7C2B-86EF-4B4456A9240F}"/>
               </a:ext>
             </a:extLst>
           </p:cNvPr>
@@ -2868,7 +2868,7 @@
           <p:cNvPr id="4" name="日期占位符 3">
             <a:extLst>
               <a:ext uri="{FF2B5EF4-FFF2-40B4-BE49-F238E27FC236}">
-                <a16:creationId xmlns:a16="http://schemas.microsoft.com/office/drawing/2014/main" id="{C365346E-9C03-7862-FAE8-7103212CAAD8}"/>
+                <a16:creationId xmlns:a16="http://schemas.microsoft.com/office/drawing/2014/main" id="{0CA2DB48-13CB-CBB9-6CC4-6E8B80553042}"/>
               </a:ext>
             </a:extLst>
           </p:cNvPr>
@@ -2902,7 +2902,7 @@
             </a:lvl1pPr>
           </a:lstStyle>
           <a:p>
-            <a:fld id="{5145CE5C-672D-4DB5-BC82-1F812DB69450}" type="datetimeFigureOut">
+            <a:fld id="{D7D39C79-E02B-449A-B12A-1298AB9D4306}" type="datetimeFigureOut">
               <a:rPr lang="zh-CN" altLang="en-US" smtClean="0"/>
               <a:t>2024/3/10</a:t>
             </a:fld>
@@ -2915,7 +2915,7 @@
           <p:cNvPr id="5" name="页脚占位符 4">
             <a:extLst>
               <a:ext uri="{FF2B5EF4-FFF2-40B4-BE49-F238E27FC236}">
-                <a16:creationId xmlns:a16="http://schemas.microsoft.com/office/drawing/2014/main" id="{9F076CC8-E436-E945-158E-E071B949633A}"/>
+                <a16:creationId xmlns:a16="http://schemas.microsoft.com/office/drawing/2014/main" id="{9FF14A51-C22B-686B-FD5D-68987C99ADD8}"/>
               </a:ext>
             </a:extLst>
           </p:cNvPr>
@@ -2958,7 +2958,7 @@
           <p:cNvPr id="6" name="灯片编号占位符 5">
             <a:extLst>
               <a:ext uri="{FF2B5EF4-FFF2-40B4-BE49-F238E27FC236}">
-                <a16:creationId xmlns:a16="http://schemas.microsoft.com/office/drawing/2014/main" id="{4394AECA-A726-FF1B-359C-B7596B946356}"/>
+                <a16:creationId xmlns:a16="http://schemas.microsoft.com/office/drawing/2014/main" id="{D357DB31-6214-E029-CEFA-227B172AF669}"/>
               </a:ext>
             </a:extLst>
           </p:cNvPr>
@@ -2992,7 +2992,7 @@
             </a:lvl1pPr>
           </a:lstStyle>
           <a:p>
-            <a:fld id="{22095328-993B-4EA4-9FAF-60F850ACE64F}" type="slidenum">
+            <a:fld id="{003F3111-BF3F-4E24-B065-8152C5CC2BF0}" type="slidenum">
               <a:rPr lang="zh-CN" altLang="en-US" smtClean="0"/>
               <a:t>‹#›</a:t>
             </a:fld>
@@ -3003,7 +3003,7 @@
     </p:spTree>
     <p:extLst>
       <p:ext uri="{BB962C8B-B14F-4D97-AF65-F5344CB8AC3E}">
-        <p14:creationId xmlns:p14="http://schemas.microsoft.com/office/powerpoint/2010/main" val="212813348"/>
+        <p14:creationId xmlns:p14="http://schemas.microsoft.com/office/powerpoint/2010/main" val="3592866470"/>
       </p:ext>
     </p:extLst>
   </p:cSld>
